--- a/report/figures.pptx
+++ b/report/figures.pptx
@@ -3288,7 +3288,7 @@
           </a:prstGeom>
           <a:ln w="25400">
             <a:solidFill>
-              <a:srgbClr val="0070C0"/>
+              <a:schemeClr val="accent6"/>
             </a:solidFill>
           </a:ln>
         </p:spPr>
@@ -3335,7 +3335,7 @@
           </a:prstGeom>
           <a:ln w="25400">
             <a:solidFill>
-              <a:srgbClr val="0070C0"/>
+              <a:srgbClr val="FF0000"/>
             </a:solidFill>
           </a:ln>
         </p:spPr>
@@ -3603,7 +3603,7 @@
         </p:nvSpPr>
         <p:spPr>
           <a:xfrm>
-            <a:off x="6107897" y="2628037"/>
+            <a:off x="6098621" y="2672304"/>
             <a:ext cx="2428876" cy="646331"/>
           </a:xfrm>
           <a:prstGeom prst="rect">
@@ -3996,7 +3996,7 @@
           </a:prstGeom>
           <a:ln w="19050">
             <a:solidFill>
-              <a:schemeClr val="tx1"/>
+              <a:srgbClr val="FF0000"/>
             </a:solidFill>
             <a:tailEnd type="triangle"/>
           </a:ln>
@@ -4031,9 +4031,7 @@
             <a:avLst/>
           </a:prstGeom>
           <a:ln w="25400">
-            <a:solidFill>
-              <a:srgbClr val="0070C0"/>
-            </a:solidFill>
+            <a:noFill/>
           </a:ln>
         </p:spPr>
         <p:style>
@@ -4110,7 +4108,7 @@
         </p:nvSpPr>
         <p:spPr>
           <a:xfrm>
-            <a:off x="3772259" y="4556105"/>
+            <a:off x="3978358" y="4428552"/>
             <a:ext cx="1616628" cy="646331"/>
           </a:xfrm>
           <a:prstGeom prst="rect">
@@ -4156,9 +4154,7 @@
             <a:avLst/>
           </a:prstGeom>
           <a:ln w="25400">
-            <a:solidFill>
-              <a:srgbClr val="0070C0"/>
-            </a:solidFill>
+            <a:noFill/>
           </a:ln>
         </p:spPr>
         <p:style>
@@ -4206,7 +4202,7 @@
           </a:prstGeom>
           <a:ln w="19050">
             <a:solidFill>
-              <a:schemeClr val="tx1"/>
+              <a:srgbClr val="0070C0"/>
             </a:solidFill>
             <a:tailEnd type="triangle"/>
           </a:ln>
@@ -4246,7 +4242,7 @@
           </a:prstGeom>
           <a:ln w="19050">
             <a:solidFill>
-              <a:schemeClr val="tx1"/>
+              <a:schemeClr val="accent6"/>
             </a:solidFill>
             <a:tailEnd type="triangle"/>
           </a:ln>
@@ -4286,7 +4282,7 @@
           </a:prstGeom>
           <a:ln w="19050">
             <a:solidFill>
-              <a:schemeClr val="tx1"/>
+              <a:srgbClr val="0070C0"/>
             </a:solidFill>
             <a:tailEnd type="triangle"/>
           </a:ln>
@@ -4321,9 +4317,7 @@
             <a:avLst/>
           </a:prstGeom>
           <a:ln w="25400">
-            <a:solidFill>
-              <a:srgbClr val="0070C0"/>
-            </a:solidFill>
+            <a:noFill/>
           </a:ln>
         </p:spPr>
         <p:style>
@@ -4369,7 +4363,7 @@
           </a:prstGeom>
           <a:ln w="19050">
             <a:solidFill>
-              <a:schemeClr val="tx1"/>
+              <a:schemeClr val="accent6"/>
             </a:solidFill>
             <a:tailEnd type="triangle"/>
           </a:ln>

--- a/report/figures.pptx
+++ b/report/figures.pptx
@@ -4575,6 +4575,54 @@
           </a:prstGeom>
         </p:spPr>
       </p:pic>
+      <p:pic>
+        <p:nvPicPr>
+          <p:cNvPr id="93" name="Picture 92"/>
+          <p:cNvPicPr>
+            <a:picLocks noChangeAspect="1"/>
+          </p:cNvPicPr>
+          <p:nvPr/>
+        </p:nvPicPr>
+        <p:blipFill>
+          <a:blip r:embed="rId10"/>
+          <a:stretch>
+            <a:fillRect/>
+          </a:stretch>
+        </p:blipFill>
+        <p:spPr>
+          <a:xfrm>
+            <a:off x="8580957" y="2802926"/>
+            <a:ext cx="254000" cy="419100"/>
+          </a:xfrm>
+          <a:prstGeom prst="rect">
+            <a:avLst/>
+          </a:prstGeom>
+        </p:spPr>
+      </p:pic>
+      <p:pic>
+        <p:nvPicPr>
+          <p:cNvPr id="94" name="Picture 93"/>
+          <p:cNvPicPr>
+            <a:picLocks noChangeAspect="1"/>
+          </p:cNvPicPr>
+          <p:nvPr/>
+        </p:nvPicPr>
+        <p:blipFill>
+          <a:blip r:embed="rId11"/>
+          <a:stretch>
+            <a:fillRect/>
+          </a:stretch>
+        </p:blipFill>
+        <p:spPr>
+          <a:xfrm>
+            <a:off x="8682518" y="4491020"/>
+            <a:ext cx="193155" cy="347679"/>
+          </a:xfrm>
+          <a:prstGeom prst="rect">
+            <a:avLst/>
+          </a:prstGeom>
+        </p:spPr>
+      </p:pic>
     </p:spTree>
     <p:extLst>
       <p:ext uri="{BB962C8B-B14F-4D97-AF65-F5344CB8AC3E}">
